--- a/slides/Chicago_talk.pptx
+++ b/slides/Chicago_talk.pptx
@@ -314,7 +314,7 @@
           <a:p>
             <a:fld id="{7E37B48D-A559-6F41-A85D-9198382D8E74}" type="datetime1">
               <a:rPr lang="en-US" smtClean="0"/>
-              <a:t>11/13/15</a:t>
+              <a:t>12/30/15</a:t>
             </a:fld>
             <a:endParaRPr lang="en-US"/>
           </a:p>
@@ -480,7 +480,7 @@
           <a:p>
             <a:fld id="{A07269D8-8511-224D-9EC2-608B032B74D9}" type="datetime1">
               <a:rPr lang="en-US" smtClean="0"/>
-              <a:t>11/13/15</a:t>
+              <a:t>12/30/15</a:t>
             </a:fld>
             <a:endParaRPr lang="en-US"/>
           </a:p>
@@ -2270,7 +2270,7 @@
           <a:p>
             <a:fld id="{6BFECD78-3C8E-49F2-8FAB-59489D168ABB}" type="datetimeFigureOut">
               <a:rPr lang="en-US" smtClean="0"/>
-              <a:t>11/13/15</a:t>
+              <a:t>12/30/15</a:t>
             </a:fld>
             <a:endParaRPr lang="en-US"/>
           </a:p>
@@ -2440,7 +2440,7 @@
           <a:p>
             <a:fld id="{6BFECD78-3C8E-49F2-8FAB-59489D168ABB}" type="datetimeFigureOut">
               <a:rPr lang="en-US" smtClean="0"/>
-              <a:t>11/13/15</a:t>
+              <a:t>12/30/15</a:t>
             </a:fld>
             <a:endParaRPr lang="en-US"/>
           </a:p>
@@ -2620,7 +2620,7 @@
           <a:p>
             <a:fld id="{6BFECD78-3C8E-49F2-8FAB-59489D168ABB}" type="datetimeFigureOut">
               <a:rPr lang="en-US" smtClean="0"/>
-              <a:t>11/13/15</a:t>
+              <a:t>12/30/15</a:t>
             </a:fld>
             <a:endParaRPr lang="en-US"/>
           </a:p>
@@ -2790,7 +2790,7 @@
           <a:p>
             <a:fld id="{6BFECD78-3C8E-49F2-8FAB-59489D168ABB}" type="datetimeFigureOut">
               <a:rPr lang="en-US" smtClean="0"/>
-              <a:t>11/13/15</a:t>
+              <a:t>12/30/15</a:t>
             </a:fld>
             <a:endParaRPr lang="en-US"/>
           </a:p>
@@ -3036,7 +3036,7 @@
           <a:p>
             <a:fld id="{6BFECD78-3C8E-49F2-8FAB-59489D168ABB}" type="datetimeFigureOut">
               <a:rPr lang="en-US" smtClean="0"/>
-              <a:t>11/13/15</a:t>
+              <a:t>12/30/15</a:t>
             </a:fld>
             <a:endParaRPr lang="en-US"/>
           </a:p>
@@ -3324,7 +3324,7 @@
           <a:p>
             <a:fld id="{6BFECD78-3C8E-49F2-8FAB-59489D168ABB}" type="datetimeFigureOut">
               <a:rPr lang="en-US" smtClean="0"/>
-              <a:t>11/13/15</a:t>
+              <a:t>12/30/15</a:t>
             </a:fld>
             <a:endParaRPr lang="en-US"/>
           </a:p>
@@ -3746,7 +3746,7 @@
           <a:p>
             <a:fld id="{6BFECD78-3C8E-49F2-8FAB-59489D168ABB}" type="datetimeFigureOut">
               <a:rPr lang="en-US" smtClean="0"/>
-              <a:t>11/13/15</a:t>
+              <a:t>12/30/15</a:t>
             </a:fld>
             <a:endParaRPr lang="en-US"/>
           </a:p>
@@ -3864,7 +3864,7 @@
           <a:p>
             <a:fld id="{6BFECD78-3C8E-49F2-8FAB-59489D168ABB}" type="datetimeFigureOut">
               <a:rPr lang="en-US" smtClean="0"/>
-              <a:t>11/13/15</a:t>
+              <a:t>12/30/15</a:t>
             </a:fld>
             <a:endParaRPr lang="en-US"/>
           </a:p>
@@ -3959,7 +3959,7 @@
           <a:p>
             <a:fld id="{6BFECD78-3C8E-49F2-8FAB-59489D168ABB}" type="datetimeFigureOut">
               <a:rPr lang="en-US" smtClean="0"/>
-              <a:t>11/13/15</a:t>
+              <a:t>12/30/15</a:t>
             </a:fld>
             <a:endParaRPr lang="en-US"/>
           </a:p>
@@ -4236,7 +4236,7 @@
           <a:p>
             <a:fld id="{6BFECD78-3C8E-49F2-8FAB-59489D168ABB}" type="datetimeFigureOut">
               <a:rPr lang="en-US" smtClean="0"/>
-              <a:t>11/13/15</a:t>
+              <a:t>12/30/15</a:t>
             </a:fld>
             <a:endParaRPr lang="en-US"/>
           </a:p>
@@ -4493,7 +4493,7 @@
           <a:p>
             <a:fld id="{6BFECD78-3C8E-49F2-8FAB-59489D168ABB}" type="datetimeFigureOut">
               <a:rPr lang="en-US" smtClean="0"/>
-              <a:t>11/13/15</a:t>
+              <a:t>12/30/15</a:t>
             </a:fld>
             <a:endParaRPr lang="en-US"/>
           </a:p>
@@ -4706,7 +4706,7 @@
           <a:p>
             <a:fld id="{6BFECD78-3C8E-49F2-8FAB-59489D168ABB}" type="datetimeFigureOut">
               <a:rPr lang="en-US" smtClean="0"/>
-              <a:t>11/13/15</a:t>
+              <a:t>12/30/15</a:t>
             </a:fld>
             <a:endParaRPr lang="en-US"/>
           </a:p>
@@ -5278,11 +5278,7 @@
             </a:r>
             <a:r>
               <a:rPr lang="en-US" sz="2200" dirty="0" smtClean="0"/>
-              <a:t>, </a:t>
-            </a:r>
-            <a:r>
-              <a:rPr lang="en-US" sz="2200" dirty="0" smtClean="0"/>
-              <a:t>2015 </a:t>
+              <a:t>, 2015 </a:t>
             </a:r>
             <a:endParaRPr lang="en-US" sz="2200" dirty="0"/>
           </a:p>
@@ -5347,11 +5343,7 @@
             </a:r>
             <a:r>
               <a:rPr lang="en-US" dirty="0" smtClean="0"/>
-              <a:t>Steward Observatory, University of </a:t>
-            </a:r>
-            <a:r>
-              <a:rPr lang="en-US" dirty="0" smtClean="0"/>
-              <a:t>Arizona</a:t>
+              <a:t>Steward Observatory, University of Arizona</a:t>
             </a:r>
           </a:p>
           <a:p>
@@ -16875,23 +16867,7 @@
                   <a:schemeClr val="bg1"/>
                 </a:solidFill>
               </a:rPr>
-              <a:t>, Murray-Clay </a:t>
-            </a:r>
-            <a:r>
-              <a:rPr lang="en-US" sz="1400" dirty="0" smtClean="0">
-                <a:solidFill>
-                  <a:schemeClr val="bg1"/>
-                </a:solidFill>
-              </a:rPr>
-              <a:t> </a:t>
-            </a:r>
-            <a:r>
-              <a:rPr lang="en-US" sz="1400" dirty="0" smtClean="0">
-                <a:solidFill>
-                  <a:schemeClr val="bg1"/>
-                </a:solidFill>
-              </a:rPr>
-              <a:t>(2015)</a:t>
+              <a:t>, Murray-Clay  (2015)</a:t>
             </a:r>
             <a:endParaRPr lang="en-US" sz="1400" dirty="0">
               <a:solidFill>
@@ -17062,23 +17038,7 @@
                   <a:schemeClr val="bg1"/>
                 </a:solidFill>
               </a:rPr>
-              <a:t>, Murray-Clay </a:t>
-            </a:r>
-            <a:r>
-              <a:rPr lang="en-US" sz="1400" dirty="0" smtClean="0">
-                <a:solidFill>
-                  <a:schemeClr val="bg1"/>
-                </a:solidFill>
-              </a:rPr>
-              <a:t> </a:t>
-            </a:r>
-            <a:r>
-              <a:rPr lang="en-US" sz="1400" dirty="0" smtClean="0">
-                <a:solidFill>
-                  <a:schemeClr val="bg1"/>
-                </a:solidFill>
-              </a:rPr>
-              <a:t>(2015)</a:t>
+              <a:t>, Murray-Clay  (2015)</a:t>
             </a:r>
             <a:endParaRPr lang="en-US" sz="1400" dirty="0">
               <a:solidFill>
@@ -17253,23 +17213,7 @@
                   <a:schemeClr val="bg1"/>
                 </a:solidFill>
               </a:rPr>
-              <a:t>, Murray-Clay </a:t>
-            </a:r>
-            <a:r>
-              <a:rPr lang="en-US" sz="1400" dirty="0" smtClean="0">
-                <a:solidFill>
-                  <a:schemeClr val="bg1"/>
-                </a:solidFill>
-              </a:rPr>
-              <a:t> </a:t>
-            </a:r>
-            <a:r>
-              <a:rPr lang="en-US" sz="1400" dirty="0" smtClean="0">
-                <a:solidFill>
-                  <a:schemeClr val="bg1"/>
-                </a:solidFill>
-              </a:rPr>
-              <a:t>(2015)</a:t>
+              <a:t>, Murray-Clay  (2015)</a:t>
             </a:r>
             <a:endParaRPr lang="en-US" sz="1400" dirty="0">
               <a:solidFill>
@@ -17497,23 +17441,7 @@
                   <a:schemeClr val="bg1"/>
                 </a:solidFill>
               </a:rPr>
-              <a:t>, Murray-Clay </a:t>
-            </a:r>
-            <a:r>
-              <a:rPr lang="en-US" sz="1400" dirty="0" smtClean="0">
-                <a:solidFill>
-                  <a:schemeClr val="bg1"/>
-                </a:solidFill>
-              </a:rPr>
-              <a:t> </a:t>
-            </a:r>
-            <a:r>
-              <a:rPr lang="en-US" sz="1400" dirty="0" smtClean="0">
-                <a:solidFill>
-                  <a:schemeClr val="bg1"/>
-                </a:solidFill>
-              </a:rPr>
-              <a:t>(2015)</a:t>
+              <a:t>, Murray-Clay  (2015)</a:t>
             </a:r>
             <a:endParaRPr lang="en-US" sz="1400" dirty="0">
               <a:solidFill>
@@ -18151,6 +18079,68 @@
           </a:prstGeom>
         </p:spPr>
       </p:pic>
+      <p:sp>
+        <p:nvSpPr>
+          <p:cNvPr id="4" name="TextBox 3"/>
+          <p:cNvSpPr txBox="1"/>
+          <p:nvPr/>
+        </p:nvSpPr>
+        <p:spPr>
+          <a:xfrm>
+            <a:off x="5377650" y="6310521"/>
+            <a:ext cx="3430472" cy="307777"/>
+          </a:xfrm>
+          <a:prstGeom prst="rect">
+            <a:avLst/>
+          </a:prstGeom>
+          <a:noFill/>
+        </p:spPr>
+        <p:txBody>
+          <a:bodyPr wrap="square" rtlCol="0">
+            <a:spAutoFit/>
+          </a:bodyPr>
+          <a:lstStyle/>
+          <a:p>
+            <a:r>
+              <a:rPr lang="en-US" sz="1400" dirty="0" smtClean="0">
+                <a:solidFill>
+                  <a:schemeClr val="bg1"/>
+                </a:solidFill>
+              </a:rPr>
+              <a:t>Piso, </a:t>
+            </a:r>
+            <a:r>
+              <a:rPr lang="en-US" sz="1400" dirty="0" smtClean="0">
+                <a:solidFill>
+                  <a:schemeClr val="bg1"/>
+                </a:solidFill>
+              </a:rPr>
+              <a:t>Oberg, </a:t>
+            </a:r>
+            <a:r>
+              <a:rPr lang="en-US" sz="1400" dirty="0" err="1" smtClean="0">
+                <a:solidFill>
+                  <a:schemeClr val="bg1"/>
+                </a:solidFill>
+              </a:rPr>
+              <a:t>Pegues</a:t>
+            </a:r>
+            <a:r>
+              <a:rPr lang="en-US" sz="1400" dirty="0" smtClean="0">
+                <a:solidFill>
+                  <a:schemeClr val="bg1"/>
+                </a:solidFill>
+              </a:rPr>
+              <a:t> (2016, in prep)</a:t>
+            </a:r>
+            <a:endParaRPr lang="en-US" sz="1400" dirty="0">
+              <a:solidFill>
+                <a:schemeClr val="bg1"/>
+              </a:solidFill>
+            </a:endParaRPr>
+          </a:p>
+        </p:txBody>
+      </p:sp>
     </p:spTree>
     <p:extLst>
       <p:ext uri="{BB962C8B-B14F-4D97-AF65-F5344CB8AC3E}">
